--- a/hrf/civil_unrest.pptx
+++ b/hrf/civil_unrest.pptx
@@ -110,6 +110,11 @@
       </a:defRPr>
     </a:lvl9pPr>
   </p:defaultTextStyle>
+  <p:extLst>
+    <p:ext uri="{EFAFB233-063F-42B5-8137-9DF3F51BA10A}">
+      <p15:sldGuideLst xmlns:p15="http://schemas.microsoft.com/office/powerpoint/2012/main"/>
+    </p:ext>
+  </p:extLst>
 </p:presentation>
 </file>
 
@@ -260,7 +265,7 @@
           <a:p>
             <a:fld id="{2AF40C20-84EB-F540-98D2-B5DC58A78D7D}" type="datetimeFigureOut">
               <a:rPr kumimoji="1" lang="zh-CN" altLang="en-US" smtClean="0"/>
-              <a:t>2022/2/3</a:t>
+              <a:t>2022/2/7</a:t>
             </a:fld>
             <a:endParaRPr kumimoji="1" lang="zh-CN" altLang="en-US"/>
           </a:p>
@@ -458,7 +463,7 @@
           <a:p>
             <a:fld id="{2AF40C20-84EB-F540-98D2-B5DC58A78D7D}" type="datetimeFigureOut">
               <a:rPr kumimoji="1" lang="zh-CN" altLang="en-US" smtClean="0"/>
-              <a:t>2022/2/3</a:t>
+              <a:t>2022/2/7</a:t>
             </a:fld>
             <a:endParaRPr kumimoji="1" lang="zh-CN" altLang="en-US"/>
           </a:p>
@@ -666,7 +671,7 @@
           <a:p>
             <a:fld id="{2AF40C20-84EB-F540-98D2-B5DC58A78D7D}" type="datetimeFigureOut">
               <a:rPr kumimoji="1" lang="zh-CN" altLang="en-US" smtClean="0"/>
-              <a:t>2022/2/3</a:t>
+              <a:t>2022/2/7</a:t>
             </a:fld>
             <a:endParaRPr kumimoji="1" lang="zh-CN" altLang="en-US"/>
           </a:p>
@@ -864,7 +869,7 @@
           <a:p>
             <a:fld id="{2AF40C20-84EB-F540-98D2-B5DC58A78D7D}" type="datetimeFigureOut">
               <a:rPr kumimoji="1" lang="zh-CN" altLang="en-US" smtClean="0"/>
-              <a:t>2022/2/3</a:t>
+              <a:t>2022/2/7</a:t>
             </a:fld>
             <a:endParaRPr kumimoji="1" lang="zh-CN" altLang="en-US"/>
           </a:p>
@@ -1139,7 +1144,7 @@
           <a:p>
             <a:fld id="{2AF40C20-84EB-F540-98D2-B5DC58A78D7D}" type="datetimeFigureOut">
               <a:rPr kumimoji="1" lang="zh-CN" altLang="en-US" smtClean="0"/>
-              <a:t>2022/2/3</a:t>
+              <a:t>2022/2/7</a:t>
             </a:fld>
             <a:endParaRPr kumimoji="1" lang="zh-CN" altLang="en-US"/>
           </a:p>
@@ -1404,7 +1409,7 @@
           <a:p>
             <a:fld id="{2AF40C20-84EB-F540-98D2-B5DC58A78D7D}" type="datetimeFigureOut">
               <a:rPr kumimoji="1" lang="zh-CN" altLang="en-US" smtClean="0"/>
-              <a:t>2022/2/3</a:t>
+              <a:t>2022/2/7</a:t>
             </a:fld>
             <a:endParaRPr kumimoji="1" lang="zh-CN" altLang="en-US"/>
           </a:p>
@@ -1816,7 +1821,7 @@
           <a:p>
             <a:fld id="{2AF40C20-84EB-F540-98D2-B5DC58A78D7D}" type="datetimeFigureOut">
               <a:rPr kumimoji="1" lang="zh-CN" altLang="en-US" smtClean="0"/>
-              <a:t>2022/2/3</a:t>
+              <a:t>2022/2/7</a:t>
             </a:fld>
             <a:endParaRPr kumimoji="1" lang="zh-CN" altLang="en-US"/>
           </a:p>
@@ -1957,7 +1962,7 @@
           <a:p>
             <a:fld id="{2AF40C20-84EB-F540-98D2-B5DC58A78D7D}" type="datetimeFigureOut">
               <a:rPr kumimoji="1" lang="zh-CN" altLang="en-US" smtClean="0"/>
-              <a:t>2022/2/3</a:t>
+              <a:t>2022/2/7</a:t>
             </a:fld>
             <a:endParaRPr kumimoji="1" lang="zh-CN" altLang="en-US"/>
           </a:p>
@@ -2070,7 +2075,7 @@
           <a:p>
             <a:fld id="{2AF40C20-84EB-F540-98D2-B5DC58A78D7D}" type="datetimeFigureOut">
               <a:rPr kumimoji="1" lang="zh-CN" altLang="en-US" smtClean="0"/>
-              <a:t>2022/2/3</a:t>
+              <a:t>2022/2/7</a:t>
             </a:fld>
             <a:endParaRPr kumimoji="1" lang="zh-CN" altLang="en-US"/>
           </a:p>
@@ -2381,7 +2386,7 @@
           <a:p>
             <a:fld id="{2AF40C20-84EB-F540-98D2-B5DC58A78D7D}" type="datetimeFigureOut">
               <a:rPr kumimoji="1" lang="zh-CN" altLang="en-US" smtClean="0"/>
-              <a:t>2022/2/3</a:t>
+              <a:t>2022/2/7</a:t>
             </a:fld>
             <a:endParaRPr kumimoji="1" lang="zh-CN" altLang="en-US"/>
           </a:p>
@@ -2669,7 +2674,7 @@
           <a:p>
             <a:fld id="{2AF40C20-84EB-F540-98D2-B5DC58A78D7D}" type="datetimeFigureOut">
               <a:rPr kumimoji="1" lang="zh-CN" altLang="en-US" smtClean="0"/>
-              <a:t>2022/2/3</a:t>
+              <a:t>2022/2/7</a:t>
             </a:fld>
             <a:endParaRPr kumimoji="1" lang="zh-CN" altLang="en-US"/>
           </a:p>
@@ -2910,7 +2915,7 @@
           <a:p>
             <a:fld id="{2AF40C20-84EB-F540-98D2-B5DC58A78D7D}" type="datetimeFigureOut">
               <a:rPr kumimoji="1" lang="zh-CN" altLang="en-US" smtClean="0"/>
-              <a:t>2022/2/3</a:t>
+              <a:t>2022/2/7</a:t>
             </a:fld>
             <a:endParaRPr kumimoji="1" lang="zh-CN" altLang="en-US"/>
           </a:p>
@@ -3517,6 +3522,22 @@
               <a:rPr kumimoji="1" lang="en-US" altLang="zh-CN" b="1" dirty="0"/>
               <a:t>Trigger</a:t>
             </a:r>
+            <a:r>
+              <a:rPr kumimoji="1" lang="zh-CN" altLang="en-US" b="1" dirty="0"/>
+              <a:t> </a:t>
+            </a:r>
+            <a:r>
+              <a:rPr kumimoji="1" lang="en-US" altLang="zh-CN" b="1" dirty="0"/>
+              <a:t>(</a:t>
+            </a:r>
+            <a:r>
+              <a:rPr lang="en-US" altLang="zh-CN" dirty="0"/>
+              <a:t>10544</a:t>
+            </a:r>
+            <a:r>
+              <a:rPr kumimoji="1" lang="en-US" altLang="zh-CN" b="1" dirty="0"/>
+              <a:t>)</a:t>
+            </a:r>
             <a:endParaRPr kumimoji="1" lang="zh-CN" altLang="en-US" b="1" dirty="0"/>
           </a:p>
         </p:txBody>
@@ -3587,8 +3608,12 @@
               <a:t>Crime</a:t>
             </a:r>
             <a:r>
-              <a:rPr kumimoji="1" lang="en-US" altLang="zh-CN" dirty="0"/>
-              <a:t>: </a:t>
+              <a:rPr kumimoji="1" lang="zh-CN" altLang="en-US" b="1" dirty="0"/>
+              <a:t> </a:t>
+            </a:r>
+            <a:r>
+              <a:rPr kumimoji="1" lang="en-US" altLang="zh-CN" dirty="0"/>
+              <a:t>(10549): </a:t>
             </a:r>
             <a:r>
               <a:rPr kumimoji="1" lang="en" altLang="zh-CN" dirty="0"/>
@@ -3608,8 +3633,20 @@
               <a:t>Election</a:t>
             </a:r>
             <a:r>
-              <a:rPr kumimoji="1" lang="en-US" altLang="zh-CN" dirty="0"/>
-              <a:t>:</a:t>
+              <a:rPr kumimoji="1" lang="zh-CN" altLang="en-US" b="1" dirty="0"/>
+              <a:t> </a:t>
+            </a:r>
+            <a:r>
+              <a:rPr kumimoji="1" lang="en-US" altLang="zh-CN" dirty="0"/>
+              <a:t>(</a:t>
+            </a:r>
+            <a:r>
+              <a:rPr lang="en-US" altLang="zh-CN" dirty="0"/>
+              <a:t>10552</a:t>
+            </a:r>
+            <a:r>
+              <a:rPr kumimoji="1" lang="en-US" altLang="zh-CN" dirty="0"/>
+              <a:t>):</a:t>
             </a:r>
             <a:r>
               <a:rPr kumimoji="1" lang="zh-CN" altLang="en-US" dirty="0"/>
@@ -3630,8 +3667,20 @@
               <a:t>War</a:t>
             </a:r>
             <a:r>
-              <a:rPr kumimoji="1" lang="en-US" altLang="zh-CN" dirty="0"/>
-              <a:t>:</a:t>
+              <a:rPr kumimoji="1" lang="zh-CN" altLang="en-US" b="1" dirty="0"/>
+              <a:t> </a:t>
+            </a:r>
+            <a:r>
+              <a:rPr kumimoji="1" lang="en-US" altLang="zh-CN" dirty="0"/>
+              <a:t>(</a:t>
+            </a:r>
+            <a:r>
+              <a:rPr lang="en-US" altLang="zh-CN" dirty="0"/>
+              <a:t>10550</a:t>
+            </a:r>
+            <a:r>
+              <a:rPr kumimoji="1" lang="en-US" altLang="zh-CN" dirty="0"/>
+              <a:t>):</a:t>
             </a:r>
             <a:r>
               <a:rPr kumimoji="1" lang="zh-CN" altLang="en-US" dirty="0"/>
@@ -3679,8 +3728,20 @@
               <a:t>Legislation</a:t>
             </a:r>
             <a:r>
-              <a:rPr kumimoji="1" lang="en-US" altLang="zh-CN" dirty="0"/>
-              <a:t>:</a:t>
+              <a:rPr kumimoji="1" lang="zh-CN" altLang="en-US" b="1" dirty="0"/>
+              <a:t> </a:t>
+            </a:r>
+            <a:r>
+              <a:rPr kumimoji="1" lang="en-US" altLang="zh-CN" dirty="0"/>
+              <a:t>(</a:t>
+            </a:r>
+            <a:r>
+              <a:rPr lang="en-US" altLang="zh-CN" dirty="0"/>
+              <a:t>10548</a:t>
+            </a:r>
+            <a:r>
+              <a:rPr kumimoji="1" lang="en-US" altLang="zh-CN" dirty="0"/>
+              <a:t>):</a:t>
             </a:r>
             <a:r>
               <a:rPr kumimoji="1" lang="zh-CN" altLang="en-US" dirty="0"/>
@@ -3701,8 +3762,20 @@
               <a:t>Trial</a:t>
             </a:r>
             <a:r>
-              <a:rPr kumimoji="1" lang="en-US" altLang="zh-CN" dirty="0"/>
-              <a:t>:</a:t>
+              <a:rPr kumimoji="1" lang="zh-CN" altLang="en-US" b="1" dirty="0"/>
+              <a:t> </a:t>
+            </a:r>
+            <a:r>
+              <a:rPr kumimoji="1" lang="en-US" altLang="zh-CN" dirty="0"/>
+              <a:t>(</a:t>
+            </a:r>
+            <a:r>
+              <a:rPr lang="en-US" altLang="zh-CN" dirty="0"/>
+              <a:t>10551</a:t>
+            </a:r>
+            <a:r>
+              <a:rPr kumimoji="1" lang="en-US" altLang="zh-CN" dirty="0"/>
+              <a:t>):</a:t>
             </a:r>
             <a:r>
               <a:rPr kumimoji="1" lang="zh-CN" altLang="en-US" dirty="0"/>
@@ -3788,6 +3861,22 @@
               <a:rPr kumimoji="1" lang="en-US" altLang="zh-CN" b="1" dirty="0"/>
               <a:t>Protest</a:t>
             </a:r>
+            <a:r>
+              <a:rPr kumimoji="1" lang="zh-CN" altLang="en-US" b="1" dirty="0"/>
+              <a:t> </a:t>
+            </a:r>
+            <a:r>
+              <a:rPr kumimoji="1" lang="en-US" altLang="zh-CN" b="1" dirty="0"/>
+              <a:t>(</a:t>
+            </a:r>
+            <a:r>
+              <a:rPr lang="en-US" altLang="zh-CN" dirty="0"/>
+              <a:t>10545</a:t>
+            </a:r>
+            <a:r>
+              <a:rPr kumimoji="1" lang="en-US" altLang="zh-CN" b="1" dirty="0"/>
+              <a:t>)</a:t>
+            </a:r>
             <a:endParaRPr kumimoji="1" lang="zh-CN" altLang="en-US" b="1" dirty="0"/>
           </a:p>
         </p:txBody>
@@ -3858,8 +3947,20 @@
               <a:t>Inquiry</a:t>
             </a:r>
             <a:r>
-              <a:rPr kumimoji="1" lang="en-US" altLang="zh-CN" dirty="0"/>
-              <a:t>:</a:t>
+              <a:rPr kumimoji="1" lang="zh-CN" altLang="en-US" b="1" dirty="0"/>
+              <a:t> </a:t>
+            </a:r>
+            <a:r>
+              <a:rPr kumimoji="1" lang="en-US" altLang="zh-CN" dirty="0"/>
+              <a:t>(</a:t>
+            </a:r>
+            <a:r>
+              <a:rPr lang="en-US" altLang="zh-CN" dirty="0"/>
+              <a:t>10556</a:t>
+            </a:r>
+            <a:r>
+              <a:rPr kumimoji="1" lang="en-US" altLang="zh-CN" dirty="0"/>
+              <a:t>):</a:t>
             </a:r>
             <a:r>
               <a:rPr kumimoji="1" lang="zh-CN" altLang="en-US" dirty="0"/>
@@ -3907,8 +4008,20 @@
               <a:t>Investigation</a:t>
             </a:r>
             <a:r>
-              <a:rPr kumimoji="1" lang="en-US" altLang="zh-CN" dirty="0"/>
-              <a:t>:</a:t>
+              <a:rPr kumimoji="1" lang="zh-CN" altLang="en-US" b="1" dirty="0"/>
+              <a:t> </a:t>
+            </a:r>
+            <a:r>
+              <a:rPr kumimoji="1" lang="en-US" altLang="zh-CN" dirty="0"/>
+              <a:t>(</a:t>
+            </a:r>
+            <a:r>
+              <a:rPr lang="en-US" altLang="zh-CN" dirty="0"/>
+              <a:t>10557</a:t>
+            </a:r>
+            <a:r>
+              <a:rPr kumimoji="1" lang="en-US" altLang="zh-CN" dirty="0"/>
+              <a:t>):</a:t>
             </a:r>
             <a:r>
               <a:rPr kumimoji="1" lang="zh-CN" altLang="en-US" dirty="0"/>
@@ -3953,8 +4066,20 @@
               <a:t>Negotiation</a:t>
             </a:r>
             <a:r>
-              <a:rPr kumimoji="1" lang="en-US" altLang="zh-CN" dirty="0"/>
-              <a:t>:</a:t>
+              <a:rPr kumimoji="1" lang="zh-CN" altLang="en-US" b="1" dirty="0"/>
+              <a:t> </a:t>
+            </a:r>
+            <a:r>
+              <a:rPr kumimoji="1" lang="en-US" altLang="zh-CN" dirty="0"/>
+              <a:t>(</a:t>
+            </a:r>
+            <a:r>
+              <a:rPr lang="en-US" altLang="zh-CN" dirty="0"/>
+              <a:t>10555</a:t>
+            </a:r>
+            <a:r>
+              <a:rPr kumimoji="1" lang="en-US" altLang="zh-CN" dirty="0"/>
+              <a:t>):</a:t>
             </a:r>
             <a:r>
               <a:rPr kumimoji="1" lang="zh-CN" altLang="en-US" dirty="0"/>
@@ -4010,8 +4135,20 @@
               <a:t>Demonstration</a:t>
             </a:r>
             <a:r>
-              <a:rPr kumimoji="1" lang="en-US" altLang="zh-CN" dirty="0"/>
-              <a:t>:</a:t>
+              <a:rPr kumimoji="1" lang="zh-CN" altLang="en-US" b="1" dirty="0"/>
+              <a:t> </a:t>
+            </a:r>
+            <a:r>
+              <a:rPr kumimoji="1" lang="en-US" altLang="zh-CN" dirty="0"/>
+              <a:t>(</a:t>
+            </a:r>
+            <a:r>
+              <a:rPr lang="en-US" altLang="zh-CN" dirty="0"/>
+              <a:t>10535</a:t>
+            </a:r>
+            <a:r>
+              <a:rPr kumimoji="1" lang="en-US" altLang="zh-CN" dirty="0"/>
+              <a:t>):</a:t>
             </a:r>
             <a:r>
               <a:rPr kumimoji="1" lang="zh-CN" altLang="en-US" dirty="0"/>
@@ -4048,8 +4185,20 @@
               <a:t>Strike</a:t>
             </a:r>
             <a:r>
-              <a:rPr kumimoji="1" lang="en-US" altLang="zh-CN" dirty="0"/>
-              <a:t>:</a:t>
+              <a:rPr kumimoji="1" lang="zh-CN" altLang="en-US" b="1" dirty="0"/>
+              <a:t> </a:t>
+            </a:r>
+            <a:r>
+              <a:rPr kumimoji="1" lang="en-US" altLang="zh-CN" dirty="0"/>
+              <a:t>(</a:t>
+            </a:r>
+            <a:r>
+              <a:rPr lang="en-US" altLang="zh-CN" dirty="0"/>
+              <a:t>10553</a:t>
+            </a:r>
+            <a:r>
+              <a:rPr kumimoji="1" lang="en-US" altLang="zh-CN" dirty="0"/>
+              <a:t>):</a:t>
             </a:r>
             <a:r>
               <a:rPr kumimoji="1" lang="en" altLang="zh-CN" dirty="0"/>
@@ -4085,8 +4234,20 @@
               <a:t>Occupation</a:t>
             </a:r>
             <a:r>
-              <a:rPr kumimoji="1" lang="en-US" altLang="zh-CN" dirty="0"/>
-              <a:t>:</a:t>
+              <a:rPr kumimoji="1" lang="zh-CN" altLang="en-US" b="1" dirty="0"/>
+              <a:t> </a:t>
+            </a:r>
+            <a:r>
+              <a:rPr kumimoji="1" lang="en-US" altLang="zh-CN" dirty="0"/>
+              <a:t>(</a:t>
+            </a:r>
+            <a:r>
+              <a:rPr lang="en-US" altLang="zh-CN" dirty="0"/>
+              <a:t>10554</a:t>
+            </a:r>
+            <a:r>
+              <a:rPr kumimoji="1" lang="en-US" altLang="zh-CN" dirty="0"/>
+              <a:t>):</a:t>
             </a:r>
             <a:r>
               <a:rPr kumimoji="1" lang="zh-CN" altLang="en-US" dirty="0"/>
@@ -4200,6 +4361,22 @@
               <a:rPr kumimoji="1" lang="en-US" altLang="zh-CN" b="1" dirty="0"/>
               <a:t>Riot</a:t>
             </a:r>
+            <a:r>
+              <a:rPr kumimoji="1" lang="zh-CN" altLang="en-US" b="1" dirty="0"/>
+              <a:t> </a:t>
+            </a:r>
+            <a:r>
+              <a:rPr kumimoji="1" lang="en-US" altLang="zh-CN" b="1" dirty="0"/>
+              <a:t>(</a:t>
+            </a:r>
+            <a:r>
+              <a:rPr lang="en-US" altLang="zh-CN" dirty="0"/>
+              <a:t>10530</a:t>
+            </a:r>
+            <a:r>
+              <a:rPr kumimoji="1" lang="en-US" altLang="zh-CN" b="1" dirty="0"/>
+              <a:t>)</a:t>
+            </a:r>
             <a:endParaRPr kumimoji="1" lang="zh-CN" altLang="en-US" b="1" dirty="0"/>
           </a:p>
         </p:txBody>
@@ -4252,12 +4429,12 @@
         <p:spPr>
           <a:xfrm>
             <a:off x="366712" y="1543745"/>
-            <a:ext cx="6176963" cy="4949130"/>
+            <a:ext cx="6254805" cy="4949130"/>
           </a:xfrm>
         </p:spPr>
         <p:txBody>
           <a:bodyPr>
-            <a:normAutofit fontScale="77500" lnSpcReduction="20000"/>
+            <a:normAutofit fontScale="70000" lnSpcReduction="20000"/>
           </a:bodyPr>
           <a:lstStyle/>
           <a:p>
@@ -4269,8 +4446,20 @@
               <a:t>Clash</a:t>
             </a:r>
             <a:r>
-              <a:rPr kumimoji="1" lang="en-US" altLang="zh-CN" dirty="0"/>
-              <a:t>:</a:t>
+              <a:rPr kumimoji="1" lang="zh-CN" altLang="en-US" b="1" dirty="0"/>
+              <a:t> </a:t>
+            </a:r>
+            <a:r>
+              <a:rPr kumimoji="1" lang="en-US" altLang="zh-CN" dirty="0"/>
+              <a:t>(</a:t>
+            </a:r>
+            <a:r>
+              <a:rPr lang="en-US" altLang="zh-CN" dirty="0"/>
+              <a:t>10533</a:t>
+            </a:r>
+            <a:r>
+              <a:rPr kumimoji="1" lang="en-US" altLang="zh-CN" dirty="0"/>
+              <a:t>):</a:t>
             </a:r>
             <a:r>
               <a:rPr kumimoji="1" lang="zh-CN" altLang="en-US" dirty="0"/>
@@ -4290,8 +4479,20 @@
               <a:t>Disperse</a:t>
             </a:r>
             <a:r>
-              <a:rPr kumimoji="1" lang="en-US" altLang="zh-CN" dirty="0"/>
-              <a:t>:</a:t>
+              <a:rPr kumimoji="1" lang="zh-CN" altLang="en-US" b="1" dirty="0"/>
+              <a:t> </a:t>
+            </a:r>
+            <a:r>
+              <a:rPr kumimoji="1" lang="en-US" altLang="zh-CN" dirty="0"/>
+              <a:t>(</a:t>
+            </a:r>
+            <a:r>
+              <a:rPr lang="en-US" altLang="zh-CN" dirty="0"/>
+              <a:t>10537</a:t>
+            </a:r>
+            <a:r>
+              <a:rPr kumimoji="1" lang="en-US" altLang="zh-CN" dirty="0"/>
+              <a:t>):</a:t>
             </a:r>
             <a:r>
               <a:rPr kumimoji="1" lang="zh-CN" altLang="en-US" dirty="0"/>
@@ -4316,8 +4517,20 @@
               <a:t>Robbery</a:t>
             </a:r>
             <a:r>
-              <a:rPr kumimoji="1" lang="en-US" altLang="zh-CN" dirty="0"/>
-              <a:t>:</a:t>
+              <a:rPr kumimoji="1" lang="zh-CN" altLang="en-US" b="1" dirty="0"/>
+              <a:t> </a:t>
+            </a:r>
+            <a:r>
+              <a:rPr kumimoji="1" lang="en-US" altLang="zh-CN" dirty="0"/>
+              <a:t>(</a:t>
+            </a:r>
+            <a:r>
+              <a:rPr lang="en-US" altLang="zh-CN" dirty="0"/>
+              <a:t>10541</a:t>
+            </a:r>
+            <a:r>
+              <a:rPr kumimoji="1" lang="en-US" altLang="zh-CN" dirty="0"/>
+              <a:t>):</a:t>
             </a:r>
             <a:r>
               <a:rPr kumimoji="1" lang="zh-CN" altLang="en-US" dirty="0"/>
@@ -4346,8 +4559,20 @@
               <a:t>Arson</a:t>
             </a:r>
             <a:r>
-              <a:rPr kumimoji="1" lang="en-US" altLang="zh-CN" dirty="0"/>
-              <a:t>:</a:t>
+              <a:rPr kumimoji="1" lang="zh-CN" altLang="en-US" b="1" dirty="0"/>
+              <a:t> </a:t>
+            </a:r>
+            <a:r>
+              <a:rPr kumimoji="1" lang="en-US" altLang="zh-CN" dirty="0"/>
+              <a:t>(</a:t>
+            </a:r>
+            <a:r>
+              <a:rPr lang="en-US" altLang="zh-CN" dirty="0"/>
+              <a:t>10529</a:t>
+            </a:r>
+            <a:r>
+              <a:rPr kumimoji="1" lang="en-US" altLang="zh-CN" dirty="0"/>
+              <a:t>):</a:t>
             </a:r>
             <a:r>
               <a:rPr kumimoji="1" lang="zh-CN" altLang="en-US" dirty="0"/>
@@ -4367,8 +4592,20 @@
               <a:t>Destruction</a:t>
             </a:r>
             <a:r>
-              <a:rPr kumimoji="1" lang="en-US" altLang="zh-CN" dirty="0"/>
-              <a:t>:</a:t>
+              <a:rPr kumimoji="1" lang="zh-CN" altLang="en-US" b="1" dirty="0"/>
+              <a:t> </a:t>
+            </a:r>
+            <a:r>
+              <a:rPr kumimoji="1" lang="en-US" altLang="zh-CN" dirty="0"/>
+              <a:t>(</a:t>
+            </a:r>
+            <a:r>
+              <a:rPr lang="en-US" altLang="zh-CN" dirty="0"/>
+              <a:t>10543</a:t>
+            </a:r>
+            <a:r>
+              <a:rPr kumimoji="1" lang="en-US" altLang="zh-CN" dirty="0"/>
+              <a:t>):</a:t>
             </a:r>
             <a:r>
               <a:rPr kumimoji="1" lang="en" altLang="zh-CN" dirty="0"/>
@@ -4400,8 +4637,20 @@
               <a:t>Shoot</a:t>
             </a:r>
             <a:r>
-              <a:rPr kumimoji="1" lang="en-US" altLang="zh-CN" dirty="0"/>
-              <a:t>:</a:t>
+              <a:rPr kumimoji="1" lang="zh-CN" altLang="en-US" b="1" dirty="0"/>
+              <a:t> </a:t>
+            </a:r>
+            <a:r>
+              <a:rPr kumimoji="1" lang="en-US" altLang="zh-CN" dirty="0"/>
+              <a:t>(</a:t>
+            </a:r>
+            <a:r>
+              <a:rPr lang="en-US" altLang="zh-CN" dirty="0"/>
+              <a:t>10536</a:t>
+            </a:r>
+            <a:r>
+              <a:rPr kumimoji="1" lang="en-US" altLang="zh-CN" dirty="0"/>
+              <a:t>):</a:t>
             </a:r>
             <a:r>
               <a:rPr kumimoji="1" lang="zh-CN" altLang="en-US" dirty="0"/>
@@ -4425,8 +4674,20 @@
               <a:t>Injury</a:t>
             </a:r>
             <a:r>
-              <a:rPr kumimoji="1" lang="en-US" altLang="zh-CN" dirty="0"/>
-              <a:t>:</a:t>
+              <a:rPr kumimoji="1" lang="zh-CN" altLang="en-US" b="1" dirty="0"/>
+              <a:t> </a:t>
+            </a:r>
+            <a:r>
+              <a:rPr kumimoji="1" lang="en-US" altLang="zh-CN" dirty="0"/>
+              <a:t>(</a:t>
+            </a:r>
+            <a:r>
+              <a:rPr lang="en-US" altLang="zh-CN" dirty="0"/>
+              <a:t>10532</a:t>
+            </a:r>
+            <a:r>
+              <a:rPr kumimoji="1" lang="en-US" altLang="zh-CN" dirty="0"/>
+              <a:t>):</a:t>
             </a:r>
             <a:r>
               <a:rPr kumimoji="1" lang="zh-CN" altLang="en-US" dirty="0"/>
@@ -4455,8 +4716,20 @@
               <a:t>Death</a:t>
             </a:r>
             <a:r>
-              <a:rPr kumimoji="1" lang="en-US" altLang="zh-CN" dirty="0"/>
-              <a:t>:</a:t>
+              <a:rPr kumimoji="1" lang="zh-CN" altLang="en-US" b="1" dirty="0"/>
+              <a:t> </a:t>
+            </a:r>
+            <a:r>
+              <a:rPr kumimoji="1" lang="en-US" altLang="zh-CN" dirty="0"/>
+              <a:t>(</a:t>
+            </a:r>
+            <a:r>
+              <a:rPr lang="en-US" altLang="zh-CN" dirty="0"/>
+              <a:t>10540</a:t>
+            </a:r>
+            <a:r>
+              <a:rPr kumimoji="1" lang="en-US" altLang="zh-CN" dirty="0"/>
+              <a:t>):</a:t>
             </a:r>
             <a:r>
               <a:rPr kumimoji="1" lang="zh-CN" altLang="en-US" dirty="0"/>
@@ -4476,8 +4749,20 @@
               <a:t>Attack</a:t>
             </a:r>
             <a:r>
-              <a:rPr kumimoji="1" lang="en-US" altLang="zh-CN" dirty="0"/>
-              <a:t>:</a:t>
+              <a:rPr kumimoji="1" lang="zh-CN" altLang="en-US" b="1" dirty="0"/>
+              <a:t> </a:t>
+            </a:r>
+            <a:r>
+              <a:rPr kumimoji="1" lang="en-US" altLang="zh-CN" dirty="0"/>
+              <a:t>(</a:t>
+            </a:r>
+            <a:r>
+              <a:rPr lang="en-US" altLang="zh-CN" dirty="0"/>
+              <a:t>10534</a:t>
+            </a:r>
+            <a:r>
+              <a:rPr kumimoji="1" lang="en-US" altLang="zh-CN" dirty="0"/>
+              <a:t>):</a:t>
             </a:r>
             <a:r>
               <a:rPr kumimoji="1" lang="zh-CN" altLang="en-US" dirty="0"/>
@@ -4501,14 +4786,6 @@
             </a:r>
             <a:r>
               <a:rPr kumimoji="1" lang="en-US" altLang="zh-CN" dirty="0"/>
-              <a:t>the</a:t>
-            </a:r>
-            <a:r>
-              <a:rPr kumimoji="1" lang="zh-CN" altLang="en-US" dirty="0"/>
-              <a:t> </a:t>
-            </a:r>
-            <a:r>
-              <a:rPr kumimoji="1" lang="en-US" altLang="zh-CN" dirty="0"/>
               <a:t>clash</a:t>
             </a:r>
           </a:p>
@@ -4521,8 +4798,20 @@
               <a:t>Emergency_evacuation</a:t>
             </a:r>
             <a:r>
-              <a:rPr kumimoji="1" lang="en-US" altLang="zh-CN" dirty="0"/>
-              <a:t>:</a:t>
+              <a:rPr kumimoji="1" lang="zh-CN" altLang="en-US" b="1" dirty="0"/>
+              <a:t> </a:t>
+            </a:r>
+            <a:r>
+              <a:rPr kumimoji="1" lang="en-US" altLang="zh-CN" dirty="0"/>
+              <a:t>(</a:t>
+            </a:r>
+            <a:r>
+              <a:rPr lang="en-US" altLang="zh-CN" dirty="0"/>
+              <a:t>10542</a:t>
+            </a:r>
+            <a:r>
+              <a:rPr kumimoji="1" lang="en-US" altLang="zh-CN" dirty="0"/>
+              <a:t>):</a:t>
             </a:r>
             <a:r>
               <a:rPr kumimoji="1" lang="zh-CN" altLang="en-US" dirty="0"/>
@@ -4591,6 +4880,22 @@
               <a:rPr kumimoji="1" lang="en-US" altLang="zh-CN" b="1" dirty="0"/>
               <a:t>Justice</a:t>
             </a:r>
+            <a:r>
+              <a:rPr kumimoji="1" lang="zh-CN" altLang="en-US" b="1" dirty="0"/>
+              <a:t> </a:t>
+            </a:r>
+            <a:r>
+              <a:rPr kumimoji="1" lang="en-US" altLang="zh-CN" b="1" dirty="0"/>
+              <a:t>(</a:t>
+            </a:r>
+            <a:r>
+              <a:rPr lang="en-US" altLang="zh-CN" dirty="0"/>
+              <a:t>10546</a:t>
+            </a:r>
+            <a:r>
+              <a:rPr kumimoji="1" lang="en-US" altLang="zh-CN" b="1" dirty="0"/>
+              <a:t>)</a:t>
+            </a:r>
             <a:endParaRPr kumimoji="1" lang="zh-CN" altLang="en-US" b="1" dirty="0"/>
           </a:p>
         </p:txBody>
@@ -4658,11 +4963,23 @@
             </a:pPr>
             <a:r>
               <a:rPr kumimoji="1" lang="en-US" altLang="zh-CN" b="1" dirty="0"/>
-              <a:t>Arrest: </a:t>
-            </a:r>
-            <a:r>
-              <a:rPr kumimoji="1" lang="en-US" altLang="zh-CN" dirty="0"/>
-              <a:t>police arrest some criminal or protester</a:t>
+              <a:t>Arrest</a:t>
+            </a:r>
+            <a:r>
+              <a:rPr kumimoji="1" lang="zh-CN" altLang="en-US" b="1" dirty="0"/>
+              <a:t> </a:t>
+            </a:r>
+            <a:r>
+              <a:rPr kumimoji="1" lang="en-US" altLang="zh-CN" dirty="0"/>
+              <a:t>(</a:t>
+            </a:r>
+            <a:r>
+              <a:rPr lang="en-US" altLang="zh-CN" dirty="0"/>
+              <a:t>10531</a:t>
+            </a:r>
+            <a:r>
+              <a:rPr kumimoji="1" lang="en-US" altLang="zh-CN" dirty="0"/>
+              <a:t>): police arrest some criminal or protester</a:t>
             </a:r>
           </a:p>
           <a:p>
@@ -4671,11 +4988,23 @@
             </a:pPr>
             <a:r>
               <a:rPr kumimoji="1" lang="en-US" altLang="zh-CN" b="1" dirty="0"/>
-              <a:t>Conviction: </a:t>
-            </a:r>
-            <a:r>
-              <a:rPr kumimoji="1" lang="en-US" altLang="zh-CN" dirty="0"/>
-              <a:t>protester guilty of breaking the law</a:t>
+              <a:t>Conviction</a:t>
+            </a:r>
+            <a:r>
+              <a:rPr kumimoji="1" lang="zh-CN" altLang="en-US" b="1" dirty="0"/>
+              <a:t> </a:t>
+            </a:r>
+            <a:r>
+              <a:rPr kumimoji="1" lang="en-US" altLang="zh-CN" dirty="0"/>
+              <a:t>(</a:t>
+            </a:r>
+            <a:r>
+              <a:rPr lang="en-US" altLang="zh-CN" dirty="0"/>
+              <a:t>10561</a:t>
+            </a:r>
+            <a:r>
+              <a:rPr kumimoji="1" lang="en-US" altLang="zh-CN" dirty="0"/>
+              <a:t>): protester guilty of breaking the law</a:t>
             </a:r>
           </a:p>
           <a:p>
@@ -4684,11 +5013,23 @@
             </a:pPr>
             <a:r>
               <a:rPr kumimoji="1" lang="en-US" altLang="zh-CN" b="1" dirty="0"/>
-              <a:t>Sentence: </a:t>
-            </a:r>
-            <a:r>
-              <a:rPr kumimoji="1" lang="en-US" altLang="zh-CN" dirty="0"/>
-              <a:t>protesters for breaking the law sentenced</a:t>
+              <a:t>Sentence</a:t>
+            </a:r>
+            <a:r>
+              <a:rPr kumimoji="1" lang="zh-CN" altLang="en-US" b="1" dirty="0"/>
+              <a:t> </a:t>
+            </a:r>
+            <a:r>
+              <a:rPr kumimoji="1" lang="en-US" altLang="zh-CN" dirty="0"/>
+              <a:t>(</a:t>
+            </a:r>
+            <a:r>
+              <a:rPr lang="en-US" altLang="zh-CN" dirty="0"/>
+              <a:t>10539</a:t>
+            </a:r>
+            <a:r>
+              <a:rPr kumimoji="1" lang="en-US" altLang="zh-CN" dirty="0"/>
+              <a:t>): protesters for breaking the law sentenced</a:t>
             </a:r>
           </a:p>
           <a:p>
@@ -4697,11 +5038,23 @@
             </a:pPr>
             <a:r>
               <a:rPr kumimoji="1" lang="en-US" altLang="zh-CN" b="1" dirty="0"/>
-              <a:t>Release: </a:t>
-            </a:r>
-            <a:r>
-              <a:rPr kumimoji="1" lang="en-US" altLang="zh-CN" dirty="0"/>
-              <a:t>protesters with minor or no offenses released</a:t>
+              <a:t>Release</a:t>
+            </a:r>
+            <a:r>
+              <a:rPr kumimoji="1" lang="zh-CN" altLang="en-US" b="1" dirty="0"/>
+              <a:t> </a:t>
+            </a:r>
+            <a:r>
+              <a:rPr kumimoji="1" lang="en-US" altLang="zh-CN" dirty="0"/>
+              <a:t>(</a:t>
+            </a:r>
+            <a:r>
+              <a:rPr lang="en-US" altLang="zh-CN" dirty="0"/>
+              <a:t>10560</a:t>
+            </a:r>
+            <a:r>
+              <a:rPr kumimoji="1" lang="en-US" altLang="zh-CN" dirty="0"/>
+              <a:t>): protesters with minor or no offenses released</a:t>
             </a:r>
           </a:p>
         </p:txBody>
@@ -4762,6 +5115,22 @@
               <a:rPr kumimoji="1" lang="en-US" altLang="zh-CN" b="1" dirty="0"/>
               <a:t>Response</a:t>
             </a:r>
+            <a:r>
+              <a:rPr kumimoji="1" lang="zh-CN" altLang="en-US" b="1" dirty="0"/>
+              <a:t> </a:t>
+            </a:r>
+            <a:r>
+              <a:rPr kumimoji="1" lang="en-US" altLang="zh-CN" b="1" dirty="0"/>
+              <a:t>(</a:t>
+            </a:r>
+            <a:r>
+              <a:rPr lang="en-US" altLang="zh-CN" dirty="0"/>
+              <a:t>10547</a:t>
+            </a:r>
+            <a:r>
+              <a:rPr kumimoji="1" lang="en-US" altLang="zh-CN" b="1" dirty="0"/>
+              <a:t>)</a:t>
+            </a:r>
             <a:endParaRPr kumimoji="1" lang="zh-CN" altLang="en-US" b="1" dirty="0"/>
           </a:p>
         </p:txBody>
@@ -4829,7 +5198,23 @@
             </a:pPr>
             <a:r>
               <a:rPr kumimoji="1" lang="en-US" altLang="zh-CN" b="1" dirty="0"/>
-              <a:t>Resignation:</a:t>
+              <a:t>Resignation</a:t>
+            </a:r>
+            <a:r>
+              <a:rPr kumimoji="1" lang="zh-CN" altLang="en-US" b="1" dirty="0"/>
+              <a:t> </a:t>
+            </a:r>
+            <a:r>
+              <a:rPr kumimoji="1" lang="en-US" altLang="zh-CN" dirty="0"/>
+              <a:t>(</a:t>
+            </a:r>
+            <a:r>
+              <a:rPr lang="en-US" altLang="zh-CN" dirty="0"/>
+              <a:t>10558</a:t>
+            </a:r>
+            <a:r>
+              <a:rPr kumimoji="1" lang="en-US" altLang="zh-CN" dirty="0"/>
+              <a:t>):</a:t>
             </a:r>
             <a:r>
               <a:rPr kumimoji="1" lang="zh-CN" altLang="en-US" dirty="0"/>
@@ -4911,10 +5296,26 @@
             </a:r>
             <a:r>
               <a:rPr kumimoji="1" lang="en-US" altLang="zh-CN" b="1" dirty="0"/>
-              <a:t>statement:</a:t>
+              <a:t>statement</a:t>
             </a:r>
             <a:r>
               <a:rPr kumimoji="1" lang="zh-CN" altLang="en-US" b="1" dirty="0"/>
+              <a:t> </a:t>
+            </a:r>
+            <a:r>
+              <a:rPr kumimoji="1" lang="en-US" altLang="zh-CN" dirty="0"/>
+              <a:t>(</a:t>
+            </a:r>
+            <a:r>
+              <a:rPr lang="en-US" altLang="zh-CN" dirty="0"/>
+              <a:t>10538</a:t>
+            </a:r>
+            <a:r>
+              <a:rPr kumimoji="1" lang="en-US" altLang="zh-CN" dirty="0"/>
+              <a:t>):</a:t>
+            </a:r>
+            <a:r>
+              <a:rPr kumimoji="1" lang="zh-CN" altLang="en-US" dirty="0"/>
               <a:t> </a:t>
             </a:r>
             <a:r>
@@ -4959,10 +5360,26 @@
             </a:pPr>
             <a:r>
               <a:rPr kumimoji="1" lang="en-US" altLang="zh-CN" b="1" dirty="0"/>
-              <a:t>Investigation:</a:t>
+              <a:t>Investigation</a:t>
             </a:r>
             <a:r>
               <a:rPr kumimoji="1" lang="zh-CN" altLang="en-US" b="1" dirty="0"/>
+              <a:t> </a:t>
+            </a:r>
+            <a:r>
+              <a:rPr kumimoji="1" lang="en-US" altLang="zh-CN" dirty="0"/>
+              <a:t>(</a:t>
+            </a:r>
+            <a:r>
+              <a:rPr lang="en-US" altLang="zh-CN" dirty="0"/>
+              <a:t>10557</a:t>
+            </a:r>
+            <a:r>
+              <a:rPr kumimoji="1" lang="en-US" altLang="zh-CN" dirty="0"/>
+              <a:t>):</a:t>
+            </a:r>
+            <a:r>
+              <a:rPr kumimoji="1" lang="zh-CN" altLang="en-US" dirty="0"/>
               <a:t> </a:t>
             </a:r>
             <a:r>

--- a/hrf/civil_unrest.pptx
+++ b/hrf/civil_unrest.pptx
@@ -265,7 +265,7 @@
           <a:p>
             <a:fld id="{2AF40C20-84EB-F540-98D2-B5DC58A78D7D}" type="datetimeFigureOut">
               <a:rPr kumimoji="1" lang="zh-CN" altLang="en-US" smtClean="0"/>
-              <a:t>2022/2/7</a:t>
+              <a:t>2022/3/20</a:t>
             </a:fld>
             <a:endParaRPr kumimoji="1" lang="zh-CN" altLang="en-US"/>
           </a:p>
@@ -463,7 +463,7 @@
           <a:p>
             <a:fld id="{2AF40C20-84EB-F540-98D2-B5DC58A78D7D}" type="datetimeFigureOut">
               <a:rPr kumimoji="1" lang="zh-CN" altLang="en-US" smtClean="0"/>
-              <a:t>2022/2/7</a:t>
+              <a:t>2022/3/20</a:t>
             </a:fld>
             <a:endParaRPr kumimoji="1" lang="zh-CN" altLang="en-US"/>
           </a:p>
@@ -671,7 +671,7 @@
           <a:p>
             <a:fld id="{2AF40C20-84EB-F540-98D2-B5DC58A78D7D}" type="datetimeFigureOut">
               <a:rPr kumimoji="1" lang="zh-CN" altLang="en-US" smtClean="0"/>
-              <a:t>2022/2/7</a:t>
+              <a:t>2022/3/20</a:t>
             </a:fld>
             <a:endParaRPr kumimoji="1" lang="zh-CN" altLang="en-US"/>
           </a:p>
@@ -869,7 +869,7 @@
           <a:p>
             <a:fld id="{2AF40C20-84EB-F540-98D2-B5DC58A78D7D}" type="datetimeFigureOut">
               <a:rPr kumimoji="1" lang="zh-CN" altLang="en-US" smtClean="0"/>
-              <a:t>2022/2/7</a:t>
+              <a:t>2022/3/20</a:t>
             </a:fld>
             <a:endParaRPr kumimoji="1" lang="zh-CN" altLang="en-US"/>
           </a:p>
@@ -1144,7 +1144,7 @@
           <a:p>
             <a:fld id="{2AF40C20-84EB-F540-98D2-B5DC58A78D7D}" type="datetimeFigureOut">
               <a:rPr kumimoji="1" lang="zh-CN" altLang="en-US" smtClean="0"/>
-              <a:t>2022/2/7</a:t>
+              <a:t>2022/3/20</a:t>
             </a:fld>
             <a:endParaRPr kumimoji="1" lang="zh-CN" altLang="en-US"/>
           </a:p>
@@ -1409,7 +1409,7 @@
           <a:p>
             <a:fld id="{2AF40C20-84EB-F540-98D2-B5DC58A78D7D}" type="datetimeFigureOut">
               <a:rPr kumimoji="1" lang="zh-CN" altLang="en-US" smtClean="0"/>
-              <a:t>2022/2/7</a:t>
+              <a:t>2022/3/20</a:t>
             </a:fld>
             <a:endParaRPr kumimoji="1" lang="zh-CN" altLang="en-US"/>
           </a:p>
@@ -1821,7 +1821,7 @@
           <a:p>
             <a:fld id="{2AF40C20-84EB-F540-98D2-B5DC58A78D7D}" type="datetimeFigureOut">
               <a:rPr kumimoji="1" lang="zh-CN" altLang="en-US" smtClean="0"/>
-              <a:t>2022/2/7</a:t>
+              <a:t>2022/3/20</a:t>
             </a:fld>
             <a:endParaRPr kumimoji="1" lang="zh-CN" altLang="en-US"/>
           </a:p>
@@ -1962,7 +1962,7 @@
           <a:p>
             <a:fld id="{2AF40C20-84EB-F540-98D2-B5DC58A78D7D}" type="datetimeFigureOut">
               <a:rPr kumimoji="1" lang="zh-CN" altLang="en-US" smtClean="0"/>
-              <a:t>2022/2/7</a:t>
+              <a:t>2022/3/20</a:t>
             </a:fld>
             <a:endParaRPr kumimoji="1" lang="zh-CN" altLang="en-US"/>
           </a:p>
@@ -2075,7 +2075,7 @@
           <a:p>
             <a:fld id="{2AF40C20-84EB-F540-98D2-B5DC58A78D7D}" type="datetimeFigureOut">
               <a:rPr kumimoji="1" lang="zh-CN" altLang="en-US" smtClean="0"/>
-              <a:t>2022/2/7</a:t>
+              <a:t>2022/3/20</a:t>
             </a:fld>
             <a:endParaRPr kumimoji="1" lang="zh-CN" altLang="en-US"/>
           </a:p>
@@ -2386,7 +2386,7 @@
           <a:p>
             <a:fld id="{2AF40C20-84EB-F540-98D2-B5DC58A78D7D}" type="datetimeFigureOut">
               <a:rPr kumimoji="1" lang="zh-CN" altLang="en-US" smtClean="0"/>
-              <a:t>2022/2/7</a:t>
+              <a:t>2022/3/20</a:t>
             </a:fld>
             <a:endParaRPr kumimoji="1" lang="zh-CN" altLang="en-US"/>
           </a:p>
@@ -2674,7 +2674,7 @@
           <a:p>
             <a:fld id="{2AF40C20-84EB-F540-98D2-B5DC58A78D7D}" type="datetimeFigureOut">
               <a:rPr kumimoji="1" lang="zh-CN" altLang="en-US" smtClean="0"/>
-              <a:t>2022/2/7</a:t>
+              <a:t>2022/3/20</a:t>
             </a:fld>
             <a:endParaRPr kumimoji="1" lang="zh-CN" altLang="en-US"/>
           </a:p>
@@ -2915,7 +2915,7 @@
           <a:p>
             <a:fld id="{2AF40C20-84EB-F540-98D2-B5DC58A78D7D}" type="datetimeFigureOut">
               <a:rPr kumimoji="1" lang="zh-CN" altLang="en-US" smtClean="0"/>
-              <a:t>2022/2/7</a:t>
+              <a:t>2022/3/20</a:t>
             </a:fld>
             <a:endParaRPr kumimoji="1" lang="zh-CN" altLang="en-US"/>
           </a:p>
@@ -3354,26 +3354,107 @@
           <a:lstStyle/>
           <a:p>
             <a:r>
-              <a:rPr kumimoji="1" lang="en" altLang="zh-CN" b="1" dirty="0"/>
+              <a:rPr kumimoji="1" lang="en" altLang="zh-CN" dirty="0">
+                <a:latin typeface="Arial" panose="020B0604020202020204" pitchFamily="34" charset="0"/>
+                <a:cs typeface="Arial" panose="020B0604020202020204" pitchFamily="34" charset="0"/>
+              </a:rPr>
               <a:t>RESIN Civil</a:t>
             </a:r>
             <a:r>
-              <a:rPr kumimoji="1" lang="zh-CN" altLang="en-US" b="1" dirty="0"/>
-              <a:t> </a:t>
-            </a:r>
-            <a:r>
-              <a:rPr kumimoji="1" lang="en-US" altLang="zh-CN" b="1" dirty="0"/>
+              <a:rPr kumimoji="1" lang="zh-CN" altLang="en-US" dirty="0">
+                <a:latin typeface="Arial" panose="020B0604020202020204" pitchFamily="34" charset="0"/>
+                <a:cs typeface="Arial" panose="020B0604020202020204" pitchFamily="34" charset="0"/>
+              </a:rPr>
+              <a:t> </a:t>
+            </a:r>
+            <a:r>
+              <a:rPr kumimoji="1" lang="en-US" altLang="zh-CN" dirty="0">
+                <a:latin typeface="Arial" panose="020B0604020202020204" pitchFamily="34" charset="0"/>
+                <a:cs typeface="Arial" panose="020B0604020202020204" pitchFamily="34" charset="0"/>
+              </a:rPr>
               <a:t>Unrest</a:t>
             </a:r>
             <a:r>
-              <a:rPr kumimoji="1" lang="zh-CN" altLang="en-US" b="1" dirty="0"/>
-              <a:t> </a:t>
-            </a:r>
-            <a:r>
-              <a:rPr kumimoji="1" lang="en" altLang="zh-CN" b="1" dirty="0"/>
+              <a:rPr kumimoji="1" lang="zh-CN" altLang="en-US" dirty="0">
+                <a:latin typeface="Arial" panose="020B0604020202020204" pitchFamily="34" charset="0"/>
+                <a:cs typeface="Arial" panose="020B0604020202020204" pitchFamily="34" charset="0"/>
+              </a:rPr>
+              <a:t> </a:t>
+            </a:r>
+            <a:r>
+              <a:rPr kumimoji="1" lang="en" altLang="zh-CN" dirty="0">
+                <a:latin typeface="Arial" panose="020B0604020202020204" pitchFamily="34" charset="0"/>
+                <a:cs typeface="Arial" panose="020B0604020202020204" pitchFamily="34" charset="0"/>
+              </a:rPr>
               <a:t>Schema</a:t>
             </a:r>
-            <a:endParaRPr kumimoji="1" lang="zh-CN" altLang="en-US" b="1" dirty="0"/>
+            <a:endParaRPr kumimoji="1" lang="zh-CN" altLang="en-US" dirty="0">
+              <a:latin typeface="Arial" panose="020B0604020202020204" pitchFamily="34" charset="0"/>
+              <a:cs typeface="Arial" panose="020B0604020202020204" pitchFamily="34" charset="0"/>
+            </a:endParaRPr>
+          </a:p>
+        </p:txBody>
+      </p:sp>
+      <p:sp>
+        <p:nvSpPr>
+          <p:cNvPr id="3" name="TextBox 2">
+            <a:extLst>
+              <a:ext uri="{FF2B5EF4-FFF2-40B4-BE49-F238E27FC236}">
+                <a16:creationId xmlns:a16="http://schemas.microsoft.com/office/drawing/2014/main" id="{E091755D-12C1-2EDC-EBEC-36B757F18E1D}"/>
+              </a:ext>
+            </a:extLst>
+          </p:cNvPr>
+          <p:cNvSpPr txBox="1"/>
+          <p:nvPr/>
+        </p:nvSpPr>
+        <p:spPr>
+          <a:xfrm>
+            <a:off x="2335696" y="4562061"/>
+            <a:ext cx="7772400" cy="646331"/>
+          </a:xfrm>
+          <a:prstGeom prst="rect">
+            <a:avLst/>
+          </a:prstGeom>
+          <a:noFill/>
+        </p:spPr>
+        <p:txBody>
+          <a:bodyPr wrap="square" rtlCol="0">
+            <a:spAutoFit/>
+          </a:bodyPr>
+          <a:lstStyle/>
+          <a:p>
+            <a:pPr algn="ctr"/>
+            <a:r>
+              <a:rPr lang="en-US" dirty="0">
+                <a:latin typeface="Arial" panose="020B0604020202020204" pitchFamily="34" charset="0"/>
+                <a:cs typeface="Arial" panose="020B0604020202020204" pitchFamily="34" charset="0"/>
+              </a:rPr>
+              <a:t>Curated by </a:t>
+            </a:r>
+            <a:r>
+              <a:rPr lang="en-US" dirty="0" err="1">
+                <a:latin typeface="Arial" panose="020B0604020202020204" pitchFamily="34" charset="0"/>
+                <a:cs typeface="Arial" panose="020B0604020202020204" pitchFamily="34" charset="0"/>
+              </a:rPr>
+              <a:t>Yizhu</a:t>
+            </a:r>
+            <a:r>
+              <a:rPr lang="en-US" dirty="0">
+                <a:latin typeface="Arial" panose="020B0604020202020204" pitchFamily="34" charset="0"/>
+                <a:cs typeface="Arial" panose="020B0604020202020204" pitchFamily="34" charset="0"/>
+              </a:rPr>
+              <a:t> Jiao</a:t>
+            </a:r>
+          </a:p>
+          <a:p>
+            <a:pPr algn="ctr"/>
+            <a:r>
+              <a:rPr lang="en-US" dirty="0">
+                <a:latin typeface="Arial" panose="020B0604020202020204" pitchFamily="34" charset="0"/>
+                <a:cs typeface="Arial" panose="020B0604020202020204" pitchFamily="34" charset="0"/>
+              </a:rPr>
+              <a:t>Updated March 20, 2022</a:t>
+            </a:r>
           </a:p>
         </p:txBody>
       </p:sp>
@@ -3526,19 +3607,6 @@
               <a:rPr kumimoji="1" lang="zh-CN" altLang="en-US" b="1" dirty="0"/>
               <a:t> </a:t>
             </a:r>
-            <a:r>
-              <a:rPr kumimoji="1" lang="en-US" altLang="zh-CN" b="1" dirty="0"/>
-              <a:t>(</a:t>
-            </a:r>
-            <a:r>
-              <a:rPr lang="en-US" altLang="zh-CN" dirty="0"/>
-              <a:t>10544</a:t>
-            </a:r>
-            <a:r>
-              <a:rPr kumimoji="1" lang="en-US" altLang="zh-CN" b="1" dirty="0"/>
-              <a:t>)</a:t>
-            </a:r>
-            <a:endParaRPr kumimoji="1" lang="zh-CN" altLang="en-US" b="1" dirty="0"/>
           </a:p>
         </p:txBody>
       </p:sp>
@@ -3608,12 +3676,8 @@
               <a:t>Crime</a:t>
             </a:r>
             <a:r>
-              <a:rPr kumimoji="1" lang="zh-CN" altLang="en-US" b="1" dirty="0"/>
-              <a:t> </a:t>
-            </a:r>
-            <a:r>
-              <a:rPr kumimoji="1" lang="en-US" altLang="zh-CN" dirty="0"/>
-              <a:t>(10549): </a:t>
+              <a:rPr kumimoji="1" lang="en-US" altLang="zh-CN" dirty="0"/>
+              <a:t>: </a:t>
             </a:r>
             <a:r>
               <a:rPr kumimoji="1" lang="en" altLang="zh-CN" dirty="0"/>
@@ -3633,20 +3697,8 @@
               <a:t>Election</a:t>
             </a:r>
             <a:r>
-              <a:rPr kumimoji="1" lang="zh-CN" altLang="en-US" b="1" dirty="0"/>
-              <a:t> </a:t>
-            </a:r>
-            <a:r>
-              <a:rPr kumimoji="1" lang="en-US" altLang="zh-CN" dirty="0"/>
-              <a:t>(</a:t>
-            </a:r>
-            <a:r>
-              <a:rPr lang="en-US" altLang="zh-CN" dirty="0"/>
-              <a:t>10552</a:t>
-            </a:r>
-            <a:r>
-              <a:rPr kumimoji="1" lang="en-US" altLang="zh-CN" dirty="0"/>
-              <a:t>):</a:t>
+              <a:rPr kumimoji="1" lang="en-US" altLang="zh-CN" dirty="0"/>
+              <a:t>:</a:t>
             </a:r>
             <a:r>
               <a:rPr kumimoji="1" lang="zh-CN" altLang="en-US" dirty="0"/>
@@ -3667,20 +3719,8 @@
               <a:t>War</a:t>
             </a:r>
             <a:r>
-              <a:rPr kumimoji="1" lang="zh-CN" altLang="en-US" b="1" dirty="0"/>
-              <a:t> </a:t>
-            </a:r>
-            <a:r>
-              <a:rPr kumimoji="1" lang="en-US" altLang="zh-CN" dirty="0"/>
-              <a:t>(</a:t>
-            </a:r>
-            <a:r>
-              <a:rPr lang="en-US" altLang="zh-CN" dirty="0"/>
-              <a:t>10550</a:t>
-            </a:r>
-            <a:r>
-              <a:rPr kumimoji="1" lang="en-US" altLang="zh-CN" dirty="0"/>
-              <a:t>):</a:t>
+              <a:rPr kumimoji="1" lang="en-US" altLang="zh-CN" dirty="0"/>
+              <a:t>:</a:t>
             </a:r>
             <a:r>
               <a:rPr kumimoji="1" lang="zh-CN" altLang="en-US" dirty="0"/>
@@ -3728,20 +3768,8 @@
               <a:t>Legislation</a:t>
             </a:r>
             <a:r>
-              <a:rPr kumimoji="1" lang="zh-CN" altLang="en-US" b="1" dirty="0"/>
-              <a:t> </a:t>
-            </a:r>
-            <a:r>
-              <a:rPr kumimoji="1" lang="en-US" altLang="zh-CN" dirty="0"/>
-              <a:t>(</a:t>
-            </a:r>
-            <a:r>
-              <a:rPr lang="en-US" altLang="zh-CN" dirty="0"/>
-              <a:t>10548</a:t>
-            </a:r>
-            <a:r>
-              <a:rPr kumimoji="1" lang="en-US" altLang="zh-CN" dirty="0"/>
-              <a:t>):</a:t>
+              <a:rPr kumimoji="1" lang="en-US" altLang="zh-CN" dirty="0"/>
+              <a:t>:</a:t>
             </a:r>
             <a:r>
               <a:rPr kumimoji="1" lang="zh-CN" altLang="en-US" dirty="0"/>
@@ -3762,20 +3790,8 @@
               <a:t>Trial</a:t>
             </a:r>
             <a:r>
-              <a:rPr kumimoji="1" lang="zh-CN" altLang="en-US" b="1" dirty="0"/>
-              <a:t> </a:t>
-            </a:r>
-            <a:r>
-              <a:rPr kumimoji="1" lang="en-US" altLang="zh-CN" dirty="0"/>
-              <a:t>(</a:t>
-            </a:r>
-            <a:r>
-              <a:rPr lang="en-US" altLang="zh-CN" dirty="0"/>
-              <a:t>10551</a:t>
-            </a:r>
-            <a:r>
-              <a:rPr kumimoji="1" lang="en-US" altLang="zh-CN" dirty="0"/>
-              <a:t>):</a:t>
+              <a:rPr kumimoji="1" lang="en-US" altLang="zh-CN" dirty="0"/>
+              <a:t>:</a:t>
             </a:r>
             <a:r>
               <a:rPr kumimoji="1" lang="zh-CN" altLang="en-US" dirty="0"/>
@@ -3861,22 +3877,6 @@
               <a:rPr kumimoji="1" lang="en-US" altLang="zh-CN" b="1" dirty="0"/>
               <a:t>Protest</a:t>
             </a:r>
-            <a:r>
-              <a:rPr kumimoji="1" lang="zh-CN" altLang="en-US" b="1" dirty="0"/>
-              <a:t> </a:t>
-            </a:r>
-            <a:r>
-              <a:rPr kumimoji="1" lang="en-US" altLang="zh-CN" b="1" dirty="0"/>
-              <a:t>(</a:t>
-            </a:r>
-            <a:r>
-              <a:rPr lang="en-US" altLang="zh-CN" dirty="0"/>
-              <a:t>10545</a:t>
-            </a:r>
-            <a:r>
-              <a:rPr kumimoji="1" lang="en-US" altLang="zh-CN" b="1" dirty="0"/>
-              <a:t>)</a:t>
-            </a:r>
             <a:endParaRPr kumimoji="1" lang="zh-CN" altLang="en-US" b="1" dirty="0"/>
           </a:p>
         </p:txBody>
@@ -3947,20 +3947,8 @@
               <a:t>Inquiry</a:t>
             </a:r>
             <a:r>
-              <a:rPr kumimoji="1" lang="zh-CN" altLang="en-US" b="1" dirty="0"/>
-              <a:t> </a:t>
-            </a:r>
-            <a:r>
-              <a:rPr kumimoji="1" lang="en-US" altLang="zh-CN" dirty="0"/>
-              <a:t>(</a:t>
-            </a:r>
-            <a:r>
-              <a:rPr lang="en-US" altLang="zh-CN" dirty="0"/>
-              <a:t>10556</a:t>
-            </a:r>
-            <a:r>
-              <a:rPr kumimoji="1" lang="en-US" altLang="zh-CN" dirty="0"/>
-              <a:t>):</a:t>
+              <a:rPr kumimoji="1" lang="en-US" altLang="zh-CN" dirty="0"/>
+              <a:t>:</a:t>
             </a:r>
             <a:r>
               <a:rPr kumimoji="1" lang="zh-CN" altLang="en-US" dirty="0"/>
@@ -4008,20 +3996,8 @@
               <a:t>Investigation</a:t>
             </a:r>
             <a:r>
-              <a:rPr kumimoji="1" lang="zh-CN" altLang="en-US" b="1" dirty="0"/>
-              <a:t> </a:t>
-            </a:r>
-            <a:r>
-              <a:rPr kumimoji="1" lang="en-US" altLang="zh-CN" dirty="0"/>
-              <a:t>(</a:t>
-            </a:r>
-            <a:r>
-              <a:rPr lang="en-US" altLang="zh-CN" dirty="0"/>
-              <a:t>10557</a:t>
-            </a:r>
-            <a:r>
-              <a:rPr kumimoji="1" lang="en-US" altLang="zh-CN" dirty="0"/>
-              <a:t>):</a:t>
+              <a:rPr kumimoji="1" lang="en-US" altLang="zh-CN" dirty="0"/>
+              <a:t>:</a:t>
             </a:r>
             <a:r>
               <a:rPr kumimoji="1" lang="zh-CN" altLang="en-US" dirty="0"/>
@@ -4066,20 +4042,8 @@
               <a:t>Negotiation</a:t>
             </a:r>
             <a:r>
-              <a:rPr kumimoji="1" lang="zh-CN" altLang="en-US" b="1" dirty="0"/>
-              <a:t> </a:t>
-            </a:r>
-            <a:r>
-              <a:rPr kumimoji="1" lang="en-US" altLang="zh-CN" dirty="0"/>
-              <a:t>(</a:t>
-            </a:r>
-            <a:r>
-              <a:rPr lang="en-US" altLang="zh-CN" dirty="0"/>
-              <a:t>10555</a:t>
-            </a:r>
-            <a:r>
-              <a:rPr kumimoji="1" lang="en-US" altLang="zh-CN" dirty="0"/>
-              <a:t>):</a:t>
+              <a:rPr kumimoji="1" lang="en-US" altLang="zh-CN" dirty="0"/>
+              <a:t>:</a:t>
             </a:r>
             <a:r>
               <a:rPr kumimoji="1" lang="zh-CN" altLang="en-US" dirty="0"/>
@@ -4135,20 +4099,8 @@
               <a:t>Demonstration</a:t>
             </a:r>
             <a:r>
-              <a:rPr kumimoji="1" lang="zh-CN" altLang="en-US" b="1" dirty="0"/>
-              <a:t> </a:t>
-            </a:r>
-            <a:r>
-              <a:rPr kumimoji="1" lang="en-US" altLang="zh-CN" dirty="0"/>
-              <a:t>(</a:t>
-            </a:r>
-            <a:r>
-              <a:rPr lang="en-US" altLang="zh-CN" dirty="0"/>
-              <a:t>10535</a:t>
-            </a:r>
-            <a:r>
-              <a:rPr kumimoji="1" lang="en-US" altLang="zh-CN" dirty="0"/>
-              <a:t>):</a:t>
+              <a:rPr kumimoji="1" lang="en-US" altLang="zh-CN" dirty="0"/>
+              <a:t>:</a:t>
             </a:r>
             <a:r>
               <a:rPr kumimoji="1" lang="zh-CN" altLang="en-US" dirty="0"/>
@@ -4185,20 +4137,8 @@
               <a:t>Strike</a:t>
             </a:r>
             <a:r>
-              <a:rPr kumimoji="1" lang="zh-CN" altLang="en-US" b="1" dirty="0"/>
-              <a:t> </a:t>
-            </a:r>
-            <a:r>
-              <a:rPr kumimoji="1" lang="en-US" altLang="zh-CN" dirty="0"/>
-              <a:t>(</a:t>
-            </a:r>
-            <a:r>
-              <a:rPr lang="en-US" altLang="zh-CN" dirty="0"/>
-              <a:t>10553</a:t>
-            </a:r>
-            <a:r>
-              <a:rPr kumimoji="1" lang="en-US" altLang="zh-CN" dirty="0"/>
-              <a:t>):</a:t>
+              <a:rPr kumimoji="1" lang="en-US" altLang="zh-CN" dirty="0"/>
+              <a:t>:</a:t>
             </a:r>
             <a:r>
               <a:rPr kumimoji="1" lang="en" altLang="zh-CN" dirty="0"/>
@@ -4234,20 +4174,8 @@
               <a:t>Occupation</a:t>
             </a:r>
             <a:r>
-              <a:rPr kumimoji="1" lang="zh-CN" altLang="en-US" b="1" dirty="0"/>
-              <a:t> </a:t>
-            </a:r>
-            <a:r>
-              <a:rPr kumimoji="1" lang="en-US" altLang="zh-CN" dirty="0"/>
-              <a:t>(</a:t>
-            </a:r>
-            <a:r>
-              <a:rPr lang="en-US" altLang="zh-CN" dirty="0"/>
-              <a:t>10554</a:t>
-            </a:r>
-            <a:r>
-              <a:rPr kumimoji="1" lang="en-US" altLang="zh-CN" dirty="0"/>
-              <a:t>):</a:t>
+              <a:rPr kumimoji="1" lang="en-US" altLang="zh-CN" dirty="0"/>
+              <a:t>:</a:t>
             </a:r>
             <a:r>
               <a:rPr kumimoji="1" lang="zh-CN" altLang="en-US" dirty="0"/>
@@ -4367,15 +4295,7 @@
             </a:r>
             <a:r>
               <a:rPr kumimoji="1" lang="en-US" altLang="zh-CN" b="1" dirty="0"/>
-              <a:t>(</a:t>
-            </a:r>
-            <a:r>
-              <a:rPr lang="en-US" altLang="zh-CN" dirty="0"/>
-              <a:t>10530</a:t>
-            </a:r>
-            <a:r>
-              <a:rPr kumimoji="1" lang="en-US" altLang="zh-CN" b="1" dirty="0"/>
-              <a:t>)</a:t>
+              <a:t>[optional]</a:t>
             </a:r>
             <a:endParaRPr kumimoji="1" lang="zh-CN" altLang="en-US" b="1" dirty="0"/>
           </a:p>
@@ -4434,7 +4354,7 @@
         </p:spPr>
         <p:txBody>
           <a:bodyPr>
-            <a:normAutofit fontScale="70000" lnSpcReduction="20000"/>
+            <a:normAutofit fontScale="77500" lnSpcReduction="20000"/>
           </a:bodyPr>
           <a:lstStyle/>
           <a:p>
@@ -4446,20 +4366,8 @@
               <a:t>Clash</a:t>
             </a:r>
             <a:r>
-              <a:rPr kumimoji="1" lang="zh-CN" altLang="en-US" b="1" dirty="0"/>
-              <a:t> </a:t>
-            </a:r>
-            <a:r>
-              <a:rPr kumimoji="1" lang="en-US" altLang="zh-CN" dirty="0"/>
-              <a:t>(</a:t>
-            </a:r>
-            <a:r>
-              <a:rPr lang="en-US" altLang="zh-CN" dirty="0"/>
-              <a:t>10533</a:t>
-            </a:r>
-            <a:r>
-              <a:rPr kumimoji="1" lang="en-US" altLang="zh-CN" dirty="0"/>
-              <a:t>):</a:t>
+              <a:rPr kumimoji="1" lang="en-US" altLang="zh-CN" dirty="0"/>
+              <a:t>:</a:t>
             </a:r>
             <a:r>
               <a:rPr kumimoji="1" lang="zh-CN" altLang="en-US" dirty="0"/>
@@ -4479,20 +4387,8 @@
               <a:t>Disperse</a:t>
             </a:r>
             <a:r>
-              <a:rPr kumimoji="1" lang="zh-CN" altLang="en-US" b="1" dirty="0"/>
-              <a:t> </a:t>
-            </a:r>
-            <a:r>
-              <a:rPr kumimoji="1" lang="en-US" altLang="zh-CN" dirty="0"/>
-              <a:t>(</a:t>
-            </a:r>
-            <a:r>
-              <a:rPr lang="en-US" altLang="zh-CN" dirty="0"/>
-              <a:t>10537</a:t>
-            </a:r>
-            <a:r>
-              <a:rPr kumimoji="1" lang="en-US" altLang="zh-CN" dirty="0"/>
-              <a:t>):</a:t>
+              <a:rPr kumimoji="1" lang="en-US" altLang="zh-CN" dirty="0"/>
+              <a:t>:</a:t>
             </a:r>
             <a:r>
               <a:rPr kumimoji="1" lang="zh-CN" altLang="en-US" dirty="0"/>
@@ -4517,20 +4413,8 @@
               <a:t>Robbery</a:t>
             </a:r>
             <a:r>
-              <a:rPr kumimoji="1" lang="zh-CN" altLang="en-US" b="1" dirty="0"/>
-              <a:t> </a:t>
-            </a:r>
-            <a:r>
-              <a:rPr kumimoji="1" lang="en-US" altLang="zh-CN" dirty="0"/>
-              <a:t>(</a:t>
-            </a:r>
-            <a:r>
-              <a:rPr lang="en-US" altLang="zh-CN" dirty="0"/>
-              <a:t>10541</a:t>
-            </a:r>
-            <a:r>
-              <a:rPr kumimoji="1" lang="en-US" altLang="zh-CN" dirty="0"/>
-              <a:t>):</a:t>
+              <a:rPr kumimoji="1" lang="en-US" altLang="zh-CN" dirty="0"/>
+              <a:t>:</a:t>
             </a:r>
             <a:r>
               <a:rPr kumimoji="1" lang="zh-CN" altLang="en-US" dirty="0"/>
@@ -4559,20 +4443,8 @@
               <a:t>Arson</a:t>
             </a:r>
             <a:r>
-              <a:rPr kumimoji="1" lang="zh-CN" altLang="en-US" b="1" dirty="0"/>
-              <a:t> </a:t>
-            </a:r>
-            <a:r>
-              <a:rPr kumimoji="1" lang="en-US" altLang="zh-CN" dirty="0"/>
-              <a:t>(</a:t>
-            </a:r>
-            <a:r>
-              <a:rPr lang="en-US" altLang="zh-CN" dirty="0"/>
-              <a:t>10529</a:t>
-            </a:r>
-            <a:r>
-              <a:rPr kumimoji="1" lang="en-US" altLang="zh-CN" dirty="0"/>
-              <a:t>):</a:t>
+              <a:rPr kumimoji="1" lang="en-US" altLang="zh-CN" dirty="0"/>
+              <a:t>:</a:t>
             </a:r>
             <a:r>
               <a:rPr kumimoji="1" lang="zh-CN" altLang="en-US" dirty="0"/>
@@ -4592,20 +4464,8 @@
               <a:t>Destruction</a:t>
             </a:r>
             <a:r>
-              <a:rPr kumimoji="1" lang="zh-CN" altLang="en-US" b="1" dirty="0"/>
-              <a:t> </a:t>
-            </a:r>
-            <a:r>
-              <a:rPr kumimoji="1" lang="en-US" altLang="zh-CN" dirty="0"/>
-              <a:t>(</a:t>
-            </a:r>
-            <a:r>
-              <a:rPr lang="en-US" altLang="zh-CN" dirty="0"/>
-              <a:t>10543</a:t>
-            </a:r>
-            <a:r>
-              <a:rPr kumimoji="1" lang="en-US" altLang="zh-CN" dirty="0"/>
-              <a:t>):</a:t>
+              <a:rPr kumimoji="1" lang="en-US" altLang="zh-CN" dirty="0"/>
+              <a:t>:</a:t>
             </a:r>
             <a:r>
               <a:rPr kumimoji="1" lang="en" altLang="zh-CN" dirty="0"/>
@@ -4637,20 +4497,8 @@
               <a:t>Shoot</a:t>
             </a:r>
             <a:r>
-              <a:rPr kumimoji="1" lang="zh-CN" altLang="en-US" b="1" dirty="0"/>
-              <a:t> </a:t>
-            </a:r>
-            <a:r>
-              <a:rPr kumimoji="1" lang="en-US" altLang="zh-CN" dirty="0"/>
-              <a:t>(</a:t>
-            </a:r>
-            <a:r>
-              <a:rPr lang="en-US" altLang="zh-CN" dirty="0"/>
-              <a:t>10536</a:t>
-            </a:r>
-            <a:r>
-              <a:rPr kumimoji="1" lang="en-US" altLang="zh-CN" dirty="0"/>
-              <a:t>):</a:t>
+              <a:rPr kumimoji="1" lang="en-US" altLang="zh-CN" dirty="0"/>
+              <a:t>:</a:t>
             </a:r>
             <a:r>
               <a:rPr kumimoji="1" lang="zh-CN" altLang="en-US" dirty="0"/>
@@ -4674,20 +4522,8 @@
               <a:t>Injury</a:t>
             </a:r>
             <a:r>
-              <a:rPr kumimoji="1" lang="zh-CN" altLang="en-US" b="1" dirty="0"/>
-              <a:t> </a:t>
-            </a:r>
-            <a:r>
-              <a:rPr kumimoji="1" lang="en-US" altLang="zh-CN" dirty="0"/>
-              <a:t>(</a:t>
-            </a:r>
-            <a:r>
-              <a:rPr lang="en-US" altLang="zh-CN" dirty="0"/>
-              <a:t>10532</a:t>
-            </a:r>
-            <a:r>
-              <a:rPr kumimoji="1" lang="en-US" altLang="zh-CN" dirty="0"/>
-              <a:t>):</a:t>
+              <a:rPr kumimoji="1" lang="en-US" altLang="zh-CN" dirty="0"/>
+              <a:t>:</a:t>
             </a:r>
             <a:r>
               <a:rPr kumimoji="1" lang="zh-CN" altLang="en-US" dirty="0"/>
@@ -4716,20 +4552,8 @@
               <a:t>Death</a:t>
             </a:r>
             <a:r>
-              <a:rPr kumimoji="1" lang="zh-CN" altLang="en-US" b="1" dirty="0"/>
-              <a:t> </a:t>
-            </a:r>
-            <a:r>
-              <a:rPr kumimoji="1" lang="en-US" altLang="zh-CN" dirty="0"/>
-              <a:t>(</a:t>
-            </a:r>
-            <a:r>
-              <a:rPr lang="en-US" altLang="zh-CN" dirty="0"/>
-              <a:t>10540</a:t>
-            </a:r>
-            <a:r>
-              <a:rPr kumimoji="1" lang="en-US" altLang="zh-CN" dirty="0"/>
-              <a:t>):</a:t>
+              <a:rPr kumimoji="1" lang="en-US" altLang="zh-CN" dirty="0"/>
+              <a:t>:</a:t>
             </a:r>
             <a:r>
               <a:rPr kumimoji="1" lang="zh-CN" altLang="en-US" dirty="0"/>
@@ -4749,20 +4573,8 @@
               <a:t>Attack</a:t>
             </a:r>
             <a:r>
-              <a:rPr kumimoji="1" lang="zh-CN" altLang="en-US" b="1" dirty="0"/>
-              <a:t> </a:t>
-            </a:r>
-            <a:r>
-              <a:rPr kumimoji="1" lang="en-US" altLang="zh-CN" dirty="0"/>
-              <a:t>(</a:t>
-            </a:r>
-            <a:r>
-              <a:rPr lang="en-US" altLang="zh-CN" dirty="0"/>
-              <a:t>10534</a:t>
-            </a:r>
-            <a:r>
-              <a:rPr kumimoji="1" lang="en-US" altLang="zh-CN" dirty="0"/>
-              <a:t>):</a:t>
+              <a:rPr kumimoji="1" lang="en-US" altLang="zh-CN" dirty="0"/>
+              <a:t>:</a:t>
             </a:r>
             <a:r>
               <a:rPr kumimoji="1" lang="zh-CN" altLang="en-US" dirty="0"/>
@@ -4798,20 +4610,8 @@
               <a:t>Emergency_evacuation</a:t>
             </a:r>
             <a:r>
-              <a:rPr kumimoji="1" lang="zh-CN" altLang="en-US" b="1" dirty="0"/>
-              <a:t> </a:t>
-            </a:r>
-            <a:r>
-              <a:rPr kumimoji="1" lang="en-US" altLang="zh-CN" dirty="0"/>
-              <a:t>(</a:t>
-            </a:r>
-            <a:r>
-              <a:rPr lang="en-US" altLang="zh-CN" dirty="0"/>
-              <a:t>10542</a:t>
-            </a:r>
-            <a:r>
-              <a:rPr kumimoji="1" lang="en-US" altLang="zh-CN" dirty="0"/>
-              <a:t>):</a:t>
+              <a:rPr kumimoji="1" lang="en-US" altLang="zh-CN" dirty="0"/>
+              <a:t>:</a:t>
             </a:r>
             <a:r>
               <a:rPr kumimoji="1" lang="zh-CN" altLang="en-US" dirty="0"/>
@@ -4880,22 +4680,6 @@
               <a:rPr kumimoji="1" lang="en-US" altLang="zh-CN" b="1" dirty="0"/>
               <a:t>Justice</a:t>
             </a:r>
-            <a:r>
-              <a:rPr kumimoji="1" lang="zh-CN" altLang="en-US" b="1" dirty="0"/>
-              <a:t> </a:t>
-            </a:r>
-            <a:r>
-              <a:rPr kumimoji="1" lang="en-US" altLang="zh-CN" b="1" dirty="0"/>
-              <a:t>(</a:t>
-            </a:r>
-            <a:r>
-              <a:rPr lang="en-US" altLang="zh-CN" dirty="0"/>
-              <a:t>10546</a:t>
-            </a:r>
-            <a:r>
-              <a:rPr kumimoji="1" lang="en-US" altLang="zh-CN" b="1" dirty="0"/>
-              <a:t>)</a:t>
-            </a:r>
             <a:endParaRPr kumimoji="1" lang="zh-CN" altLang="en-US" b="1" dirty="0"/>
           </a:p>
         </p:txBody>
@@ -4966,20 +4750,8 @@
               <a:t>Arrest</a:t>
             </a:r>
             <a:r>
-              <a:rPr kumimoji="1" lang="zh-CN" altLang="en-US" b="1" dirty="0"/>
-              <a:t> </a:t>
-            </a:r>
-            <a:r>
-              <a:rPr kumimoji="1" lang="en-US" altLang="zh-CN" dirty="0"/>
-              <a:t>(</a:t>
-            </a:r>
-            <a:r>
-              <a:rPr lang="en-US" altLang="zh-CN" dirty="0"/>
-              <a:t>10531</a:t>
-            </a:r>
-            <a:r>
-              <a:rPr kumimoji="1" lang="en-US" altLang="zh-CN" dirty="0"/>
-              <a:t>): police arrest some criminal or protester</a:t>
+              <a:rPr kumimoji="1" lang="en-US" altLang="zh-CN" dirty="0"/>
+              <a:t>: police arrest some criminal or protester</a:t>
             </a:r>
           </a:p>
           <a:p>
@@ -4991,20 +4763,8 @@
               <a:t>Conviction</a:t>
             </a:r>
             <a:r>
-              <a:rPr kumimoji="1" lang="zh-CN" altLang="en-US" b="1" dirty="0"/>
-              <a:t> </a:t>
-            </a:r>
-            <a:r>
-              <a:rPr kumimoji="1" lang="en-US" altLang="zh-CN" dirty="0"/>
-              <a:t>(</a:t>
-            </a:r>
-            <a:r>
-              <a:rPr lang="en-US" altLang="zh-CN" dirty="0"/>
-              <a:t>10561</a:t>
-            </a:r>
-            <a:r>
-              <a:rPr kumimoji="1" lang="en-US" altLang="zh-CN" dirty="0"/>
-              <a:t>): protester guilty of breaking the law</a:t>
+              <a:rPr kumimoji="1" lang="en-US" altLang="zh-CN" dirty="0"/>
+              <a:t>: protester guilty of breaking the law</a:t>
             </a:r>
           </a:p>
           <a:p>
@@ -5016,20 +4776,8 @@
               <a:t>Sentence</a:t>
             </a:r>
             <a:r>
-              <a:rPr kumimoji="1" lang="zh-CN" altLang="en-US" b="1" dirty="0"/>
-              <a:t> </a:t>
-            </a:r>
-            <a:r>
-              <a:rPr kumimoji="1" lang="en-US" altLang="zh-CN" dirty="0"/>
-              <a:t>(</a:t>
-            </a:r>
-            <a:r>
-              <a:rPr lang="en-US" altLang="zh-CN" dirty="0"/>
-              <a:t>10539</a:t>
-            </a:r>
-            <a:r>
-              <a:rPr kumimoji="1" lang="en-US" altLang="zh-CN" dirty="0"/>
-              <a:t>): protesters for breaking the law sentenced</a:t>
+              <a:rPr kumimoji="1" lang="en-US" altLang="zh-CN" dirty="0"/>
+              <a:t>: protesters for breaking the law sentenced</a:t>
             </a:r>
           </a:p>
           <a:p>
@@ -5041,20 +4789,8 @@
               <a:t>Release</a:t>
             </a:r>
             <a:r>
-              <a:rPr kumimoji="1" lang="zh-CN" altLang="en-US" b="1" dirty="0"/>
-              <a:t> </a:t>
-            </a:r>
-            <a:r>
-              <a:rPr kumimoji="1" lang="en-US" altLang="zh-CN" dirty="0"/>
-              <a:t>(</a:t>
-            </a:r>
-            <a:r>
-              <a:rPr lang="en-US" altLang="zh-CN" dirty="0"/>
-              <a:t>10560</a:t>
-            </a:r>
-            <a:r>
-              <a:rPr kumimoji="1" lang="en-US" altLang="zh-CN" dirty="0"/>
-              <a:t>): protesters with minor or no offenses released</a:t>
+              <a:rPr kumimoji="1" lang="en-US" altLang="zh-CN" dirty="0"/>
+              <a:t>: protesters with minor or no offenses released</a:t>
             </a:r>
           </a:p>
         </p:txBody>
@@ -5115,22 +4851,6 @@
               <a:rPr kumimoji="1" lang="en-US" altLang="zh-CN" b="1" dirty="0"/>
               <a:t>Response</a:t>
             </a:r>
-            <a:r>
-              <a:rPr kumimoji="1" lang="zh-CN" altLang="en-US" b="1" dirty="0"/>
-              <a:t> </a:t>
-            </a:r>
-            <a:r>
-              <a:rPr kumimoji="1" lang="en-US" altLang="zh-CN" b="1" dirty="0"/>
-              <a:t>(</a:t>
-            </a:r>
-            <a:r>
-              <a:rPr lang="en-US" altLang="zh-CN" dirty="0"/>
-              <a:t>10547</a:t>
-            </a:r>
-            <a:r>
-              <a:rPr kumimoji="1" lang="en-US" altLang="zh-CN" b="1" dirty="0"/>
-              <a:t>)</a:t>
-            </a:r>
             <a:endParaRPr kumimoji="1" lang="zh-CN" altLang="en-US" b="1" dirty="0"/>
           </a:p>
         </p:txBody>
@@ -5201,20 +4921,8 @@
               <a:t>Resignation</a:t>
             </a:r>
             <a:r>
-              <a:rPr kumimoji="1" lang="zh-CN" altLang="en-US" b="1" dirty="0"/>
-              <a:t> </a:t>
-            </a:r>
-            <a:r>
-              <a:rPr kumimoji="1" lang="en-US" altLang="zh-CN" dirty="0"/>
-              <a:t>(</a:t>
-            </a:r>
-            <a:r>
-              <a:rPr lang="en-US" altLang="zh-CN" dirty="0"/>
-              <a:t>10558</a:t>
-            </a:r>
-            <a:r>
-              <a:rPr kumimoji="1" lang="en-US" altLang="zh-CN" dirty="0"/>
-              <a:t>):</a:t>
+              <a:rPr kumimoji="1" lang="en-US" altLang="zh-CN" dirty="0"/>
+              <a:t>:</a:t>
             </a:r>
             <a:r>
               <a:rPr kumimoji="1" lang="zh-CN" altLang="en-US" dirty="0"/>
@@ -5299,20 +5007,8 @@
               <a:t>statement</a:t>
             </a:r>
             <a:r>
-              <a:rPr kumimoji="1" lang="zh-CN" altLang="en-US" b="1" dirty="0"/>
-              <a:t> </a:t>
-            </a:r>
-            <a:r>
-              <a:rPr kumimoji="1" lang="en-US" altLang="zh-CN" dirty="0"/>
-              <a:t>(</a:t>
-            </a:r>
-            <a:r>
-              <a:rPr lang="en-US" altLang="zh-CN" dirty="0"/>
-              <a:t>10538</a:t>
-            </a:r>
-            <a:r>
-              <a:rPr kumimoji="1" lang="en-US" altLang="zh-CN" dirty="0"/>
-              <a:t>):</a:t>
+              <a:rPr kumimoji="1" lang="en-US" altLang="zh-CN" dirty="0"/>
+              <a:t>:</a:t>
             </a:r>
             <a:r>
               <a:rPr kumimoji="1" lang="zh-CN" altLang="en-US" dirty="0"/>
@@ -5359,24 +5055,12 @@
               <a:buNone/>
             </a:pPr>
             <a:r>
-              <a:rPr kumimoji="1" lang="en-US" altLang="zh-CN" b="1" dirty="0"/>
+              <a:rPr kumimoji="1" lang="en-US" altLang="zh-CN" b="1"/>
               <a:t>Investigation</a:t>
             </a:r>
             <a:r>
-              <a:rPr kumimoji="1" lang="zh-CN" altLang="en-US" b="1" dirty="0"/>
-              <a:t> </a:t>
-            </a:r>
-            <a:r>
-              <a:rPr kumimoji="1" lang="en-US" altLang="zh-CN" dirty="0"/>
-              <a:t>(</a:t>
-            </a:r>
-            <a:r>
-              <a:rPr lang="en-US" altLang="zh-CN" dirty="0"/>
-              <a:t>10557</a:t>
-            </a:r>
-            <a:r>
-              <a:rPr kumimoji="1" lang="en-US" altLang="zh-CN" dirty="0"/>
-              <a:t>):</a:t>
+              <a:rPr kumimoji="1" lang="en-US" altLang="zh-CN"/>
+              <a:t>:</a:t>
             </a:r>
             <a:r>
               <a:rPr kumimoji="1" lang="zh-CN" altLang="en-US" dirty="0"/>
